--- a/public/论文完整/娜答辩.pptx
+++ b/public/论文完整/娜答辩.pptx
@@ -5,7 +5,7 @@
     <p:sldMasterId id="2147483648" r:id="rId1"/>
   </p:sldMasterIdLst>
   <p:notesMasterIdLst>
-    <p:notesMasterId r:id="rId13"/>
+    <p:notesMasterId r:id="rId14"/>
   </p:notesMasterIdLst>
   <p:sldIdLst>
     <p:sldId id="256" r:id="rId2"/>
@@ -18,7 +18,8 @@
     <p:sldId id="263" r:id="rId9"/>
     <p:sldId id="264" r:id="rId10"/>
     <p:sldId id="266" r:id="rId11"/>
-    <p:sldId id="268" r:id="rId12"/>
+    <p:sldId id="271" r:id="rId12"/>
+    <p:sldId id="268" r:id="rId13"/>
   </p:sldIdLst>
   <p:sldSz cx="9144000" cy="6858000" type="screen4x3"/>
   <p:notesSz cx="6858000" cy="9144000"/>
@@ -247,7 +248,7 @@
               <a:pPr>
                 <a:defRPr/>
               </a:pPr>
-              <a:t>2017/5/14</a:t>
+              <a:t>2017/5/16</a:t>
             </a:fld>
             <a:endParaRPr lang="zh-CN" altLang="en-US"/>
           </a:p>
@@ -748,7 +749,7 @@
               <a:pPr>
                 <a:defRPr/>
               </a:pPr>
-              <a:t>2017/5/14</a:t>
+              <a:t>2017/5/16</a:t>
             </a:fld>
             <a:endParaRPr lang="zh-CN" altLang="en-US"/>
           </a:p>
@@ -940,7 +941,7 @@
               <a:pPr>
                 <a:defRPr/>
               </a:pPr>
-              <a:t>2017/5/14</a:t>
+              <a:t>2017/5/16</a:t>
             </a:fld>
             <a:endParaRPr lang="zh-CN" altLang="en-US"/>
           </a:p>
@@ -1142,7 +1143,7 @@
               <a:pPr>
                 <a:defRPr/>
               </a:pPr>
-              <a:t>2017/5/14</a:t>
+              <a:t>2017/5/16</a:t>
             </a:fld>
             <a:endParaRPr lang="zh-CN" altLang="en-US"/>
           </a:p>
@@ -1334,7 +1335,7 @@
               <a:pPr>
                 <a:defRPr/>
               </a:pPr>
-              <a:t>2017/5/14</a:t>
+              <a:t>2017/5/16</a:t>
             </a:fld>
             <a:endParaRPr lang="zh-CN" altLang="en-US"/>
           </a:p>
@@ -1602,7 +1603,7 @@
               <a:pPr>
                 <a:defRPr/>
               </a:pPr>
-              <a:t>2017/5/14</a:t>
+              <a:t>2017/5/16</a:t>
             </a:fld>
             <a:endParaRPr lang="zh-CN" altLang="en-US"/>
           </a:p>
@@ -1912,7 +1913,7 @@
               <a:pPr>
                 <a:defRPr/>
               </a:pPr>
-              <a:t>2017/5/14</a:t>
+              <a:t>2017/5/16</a:t>
             </a:fld>
             <a:endParaRPr lang="zh-CN" altLang="en-US"/>
           </a:p>
@@ -2356,7 +2357,7 @@
               <a:pPr>
                 <a:defRPr/>
               </a:pPr>
-              <a:t>2017/5/14</a:t>
+              <a:t>2017/5/16</a:t>
             </a:fld>
             <a:endParaRPr lang="zh-CN" altLang="en-US"/>
           </a:p>
@@ -2496,7 +2497,7 @@
               <a:pPr>
                 <a:defRPr/>
               </a:pPr>
-              <a:t>2017/5/14</a:t>
+              <a:t>2017/5/16</a:t>
             </a:fld>
             <a:endParaRPr lang="zh-CN" altLang="en-US"/>
           </a:p>
@@ -2613,7 +2614,7 @@
               <a:pPr>
                 <a:defRPr/>
               </a:pPr>
-              <a:t>2017/5/14</a:t>
+              <a:t>2017/5/16</a:t>
             </a:fld>
             <a:endParaRPr lang="zh-CN" altLang="en-US"/>
           </a:p>
@@ -2912,7 +2913,7 @@
               <a:pPr>
                 <a:defRPr/>
               </a:pPr>
-              <a:t>2017/5/14</a:t>
+              <a:t>2017/5/16</a:t>
             </a:fld>
             <a:endParaRPr lang="zh-CN" altLang="en-US"/>
           </a:p>
@@ -3190,7 +3191,7 @@
               <a:pPr>
                 <a:defRPr/>
               </a:pPr>
-              <a:t>2017/5/14</a:t>
+              <a:t>2017/5/16</a:t>
             </a:fld>
             <a:endParaRPr lang="zh-CN" altLang="en-US"/>
           </a:p>
@@ -3446,7 +3447,7 @@
               <a:pPr>
                 <a:defRPr/>
               </a:pPr>
-              <a:t>2017/5/14</a:t>
+              <a:t>2017/5/16</a:t>
             </a:fld>
             <a:endParaRPr lang="zh-CN" altLang="en-US"/>
           </a:p>
@@ -4325,7 +4326,7 @@
       </p:grpSpPr>
       <p:pic>
         <p:nvPicPr>
-          <p:cNvPr id="12302" name="图片 16" descr="1.png"/>
+          <p:cNvPr id="12295" name="图片 15" descr="1.png"/>
           <p:cNvPicPr>
             <a:picLocks noChangeAspect="1"/>
           </p:cNvPicPr>
@@ -4340,8 +4341,8 @@
         </p:blipFill>
         <p:spPr bwMode="auto">
           <a:xfrm>
-            <a:off x="785813" y="1643063"/>
-            <a:ext cx="7834312" cy="4330700"/>
+            <a:off x="0" y="0"/>
+            <a:ext cx="9144000" cy="6858000"/>
           </a:xfrm>
           <a:prstGeom prst="rect">
             <a:avLst/>
@@ -4355,11 +4356,126 @@
           </a:ln>
         </p:spPr>
       </p:pic>
+      <p:sp>
+        <p:nvSpPr>
+          <p:cNvPr id="12298" name="矩形 3"/>
+          <p:cNvSpPr>
+            <a:spLocks noChangeArrowheads="1"/>
+          </p:cNvSpPr>
+          <p:nvPr/>
+        </p:nvSpPr>
+        <p:spPr bwMode="auto">
+          <a:xfrm>
+            <a:off x="2" y="142852"/>
+            <a:ext cx="4852610" cy="523220"/>
+          </a:xfrm>
+          <a:prstGeom prst="rect">
+            <a:avLst/>
+          </a:prstGeom>
+          <a:noFill/>
+          <a:ln w="9525">
+            <a:noFill/>
+            <a:miter lim="800000"/>
+            <a:headEnd/>
+            <a:tailEnd/>
+          </a:ln>
+        </p:spPr>
+        <p:txBody>
+          <a:bodyPr wrap="none">
+            <a:spAutoFit/>
+          </a:bodyPr>
+          <a:lstStyle/>
+          <a:p>
+            <a:r>
+              <a:rPr lang="zh-CN" altLang="en-US" sz="2800" smtClean="0">
+                <a:solidFill>
+                  <a:schemeClr val="bg1"/>
+                </a:solidFill>
+                <a:latin typeface="微软雅黑" pitchFamily="34" charset="-122"/>
+                <a:ea typeface="微软雅黑" pitchFamily="34" charset="-122"/>
+              </a:rPr>
+              <a:t>插件</a:t>
+            </a:r>
+            <a:r>
+              <a:rPr lang="zh-CN" altLang="en-US" sz="2800" smtClean="0">
+                <a:solidFill>
+                  <a:schemeClr val="bg1"/>
+                </a:solidFill>
+                <a:latin typeface="微软雅黑" pitchFamily="34" charset="-122"/>
+                <a:ea typeface="微软雅黑" pitchFamily="34" charset="-122"/>
+              </a:rPr>
+              <a:t>和</a:t>
+            </a:r>
+            <a:r>
+              <a:rPr lang="zh-CN" altLang="en-US" sz="2800" smtClean="0">
+                <a:solidFill>
+                  <a:schemeClr val="bg1"/>
+                </a:solidFill>
+                <a:latin typeface="微软雅黑" pitchFamily="34" charset="-122"/>
+                <a:ea typeface="微软雅黑" pitchFamily="34" charset="-122"/>
+              </a:rPr>
+              <a:t>开发工具及其下载</a:t>
+            </a:r>
+            <a:r>
+              <a:rPr lang="zh-CN" altLang="en-US" sz="2800" smtClean="0">
+                <a:solidFill>
+                  <a:schemeClr val="bg1"/>
+                </a:solidFill>
+                <a:latin typeface="微软雅黑" pitchFamily="34" charset="-122"/>
+                <a:ea typeface="微软雅黑" pitchFamily="34" charset="-122"/>
+              </a:rPr>
+              <a:t>地址</a:t>
+            </a:r>
+            <a:endParaRPr lang="zh-CN" altLang="en-US" sz="2800">
+              <a:solidFill>
+                <a:schemeClr val="bg1"/>
+              </a:solidFill>
+              <a:latin typeface="微软雅黑" pitchFamily="34" charset="-122"/>
+              <a:ea typeface="微软雅黑" pitchFamily="34" charset="-122"/>
+            </a:endParaRPr>
+          </a:p>
+        </p:txBody>
+      </p:sp>
+      <p:cxnSp>
+        <p:nvCxnSpPr>
+          <p:cNvPr id="14" name="直接连接符 13"/>
+          <p:cNvCxnSpPr/>
+          <p:nvPr/>
+        </p:nvCxnSpPr>
+        <p:spPr>
+          <a:xfrm rot="5400000">
+            <a:off x="4607721" y="464321"/>
+            <a:ext cx="500856" cy="794"/>
+          </a:xfrm>
+          <a:prstGeom prst="line">
+            <a:avLst/>
+          </a:prstGeom>
+          <a:ln w="19050">
+            <a:solidFill>
+              <a:schemeClr val="bg1"/>
+            </a:solidFill>
+          </a:ln>
+        </p:spPr>
+        <p:style>
+          <a:lnRef idx="1">
+            <a:schemeClr val="accent1"/>
+          </a:lnRef>
+          <a:fillRef idx="0">
+            <a:schemeClr val="accent1"/>
+          </a:fillRef>
+          <a:effectRef idx="0">
+            <a:schemeClr val="accent1"/>
+          </a:effectRef>
+          <a:fontRef idx="minor">
+            <a:schemeClr val="tx1"/>
+          </a:fontRef>
+        </p:style>
+      </p:cxnSp>
       <p:pic>
         <p:nvPicPr>
-          <p:cNvPr id="12290" name="图片 19" descr="3.png"/>
+          <p:cNvPr id="1026" name="Picture 2"/>
           <p:cNvPicPr>
-            <a:picLocks noChangeAspect="1"/>
+            <a:picLocks noChangeAspect="1" noChangeArrowheads="1"/>
           </p:cNvPicPr>
           <p:nvPr/>
         </p:nvPicPr>
@@ -4372,6 +4488,861 @@
         </p:blipFill>
         <p:spPr bwMode="auto">
           <a:xfrm>
+            <a:off x="571472" y="1214422"/>
+            <a:ext cx="457200" cy="457200"/>
+          </a:xfrm>
+          <a:prstGeom prst="rect">
+            <a:avLst/>
+          </a:prstGeom>
+          <a:noFill/>
+          <a:ln w="9525">
+            <a:noFill/>
+            <a:miter lim="800000"/>
+            <a:headEnd/>
+            <a:tailEnd/>
+          </a:ln>
+          <a:effectLst/>
+        </p:spPr>
+      </p:pic>
+      <p:pic>
+        <p:nvPicPr>
+          <p:cNvPr id="1027" name="Picture 3"/>
+          <p:cNvPicPr>
+            <a:picLocks noChangeAspect="1" noChangeArrowheads="1"/>
+          </p:cNvPicPr>
+          <p:nvPr/>
+        </p:nvPicPr>
+        <p:blipFill>
+          <a:blip r:embed="rId4"/>
+          <a:srcRect/>
+          <a:stretch>
+            <a:fillRect/>
+          </a:stretch>
+        </p:blipFill>
+        <p:spPr bwMode="auto">
+          <a:xfrm>
+            <a:off x="571472" y="2071678"/>
+            <a:ext cx="457200" cy="457200"/>
+          </a:xfrm>
+          <a:prstGeom prst="rect">
+            <a:avLst/>
+          </a:prstGeom>
+          <a:noFill/>
+          <a:ln w="9525">
+            <a:noFill/>
+            <a:miter lim="800000"/>
+            <a:headEnd/>
+            <a:tailEnd/>
+          </a:ln>
+          <a:effectLst/>
+        </p:spPr>
+      </p:pic>
+      <p:pic>
+        <p:nvPicPr>
+          <p:cNvPr id="1028" name="Picture 4"/>
+          <p:cNvPicPr>
+            <a:picLocks noChangeAspect="1" noChangeArrowheads="1"/>
+          </p:cNvPicPr>
+          <p:nvPr/>
+        </p:nvPicPr>
+        <p:blipFill>
+          <a:blip r:embed="rId4"/>
+          <a:srcRect/>
+          <a:stretch>
+            <a:fillRect/>
+          </a:stretch>
+        </p:blipFill>
+        <p:spPr bwMode="auto">
+          <a:xfrm>
+            <a:off x="571472" y="3000372"/>
+            <a:ext cx="457200" cy="457200"/>
+          </a:xfrm>
+          <a:prstGeom prst="rect">
+            <a:avLst/>
+          </a:prstGeom>
+          <a:noFill/>
+          <a:ln w="9525">
+            <a:noFill/>
+            <a:miter lim="800000"/>
+            <a:headEnd/>
+            <a:tailEnd/>
+          </a:ln>
+          <a:effectLst/>
+        </p:spPr>
+      </p:pic>
+      <p:pic>
+        <p:nvPicPr>
+          <p:cNvPr id="26" name="Picture 4"/>
+          <p:cNvPicPr>
+            <a:picLocks noChangeAspect="1" noChangeArrowheads="1"/>
+          </p:cNvPicPr>
+          <p:nvPr/>
+        </p:nvPicPr>
+        <p:blipFill>
+          <a:blip r:embed="rId4"/>
+          <a:srcRect/>
+          <a:stretch>
+            <a:fillRect/>
+          </a:stretch>
+        </p:blipFill>
+        <p:spPr bwMode="auto">
+          <a:xfrm>
+            <a:off x="571472" y="3929066"/>
+            <a:ext cx="457200" cy="457200"/>
+          </a:xfrm>
+          <a:prstGeom prst="rect">
+            <a:avLst/>
+          </a:prstGeom>
+          <a:noFill/>
+          <a:ln w="9525">
+            <a:noFill/>
+            <a:miter lim="800000"/>
+            <a:headEnd/>
+            <a:tailEnd/>
+          </a:ln>
+          <a:effectLst/>
+        </p:spPr>
+      </p:pic>
+      <p:pic>
+        <p:nvPicPr>
+          <p:cNvPr id="27" name="Picture 4"/>
+          <p:cNvPicPr>
+            <a:picLocks noChangeAspect="1" noChangeArrowheads="1"/>
+          </p:cNvPicPr>
+          <p:nvPr/>
+        </p:nvPicPr>
+        <p:blipFill>
+          <a:blip r:embed="rId4"/>
+          <a:srcRect/>
+          <a:stretch>
+            <a:fillRect/>
+          </a:stretch>
+        </p:blipFill>
+        <p:spPr bwMode="auto">
+          <a:xfrm>
+            <a:off x="571472" y="4857760"/>
+            <a:ext cx="457200" cy="457200"/>
+          </a:xfrm>
+          <a:prstGeom prst="rect">
+            <a:avLst/>
+          </a:prstGeom>
+          <a:noFill/>
+          <a:ln w="9525">
+            <a:noFill/>
+            <a:miter lim="800000"/>
+            <a:headEnd/>
+            <a:tailEnd/>
+          </a:ln>
+          <a:effectLst/>
+        </p:spPr>
+      </p:pic>
+      <p:pic>
+        <p:nvPicPr>
+          <p:cNvPr id="28" name="Picture 4"/>
+          <p:cNvPicPr>
+            <a:picLocks noChangeAspect="1" noChangeArrowheads="1"/>
+          </p:cNvPicPr>
+          <p:nvPr/>
+        </p:nvPicPr>
+        <p:blipFill>
+          <a:blip r:embed="rId4"/>
+          <a:srcRect/>
+          <a:stretch>
+            <a:fillRect/>
+          </a:stretch>
+        </p:blipFill>
+        <p:spPr bwMode="auto">
+          <a:xfrm>
+            <a:off x="571472" y="5786454"/>
+            <a:ext cx="457200" cy="457200"/>
+          </a:xfrm>
+          <a:prstGeom prst="rect">
+            <a:avLst/>
+          </a:prstGeom>
+          <a:noFill/>
+          <a:ln w="9525">
+            <a:noFill/>
+            <a:miter lim="800000"/>
+            <a:headEnd/>
+            <a:tailEnd/>
+          </a:ln>
+          <a:effectLst/>
+        </p:spPr>
+      </p:pic>
+      <p:sp>
+        <p:nvSpPr>
+          <p:cNvPr id="29" name="图文框 28"/>
+          <p:cNvSpPr/>
+          <p:nvPr/>
+        </p:nvSpPr>
+        <p:spPr>
+          <a:xfrm>
+            <a:off x="428596" y="1214422"/>
+            <a:ext cx="8429684" cy="500066"/>
+          </a:xfrm>
+          <a:prstGeom prst="frame">
+            <a:avLst/>
+          </a:prstGeom>
+          <a:solidFill>
+            <a:schemeClr val="bg2"/>
+          </a:solidFill>
+          <a:ln>
+            <a:solidFill>
+              <a:schemeClr val="accent3">
+                <a:lumMod val="20000"/>
+                <a:lumOff val="80000"/>
+                <a:alpha val="44000"/>
+              </a:schemeClr>
+            </a:solidFill>
+          </a:ln>
+          <a:effectLst>
+            <a:innerShdw dist="393700" dir="11760000">
+              <a:schemeClr val="bg2">
+                <a:alpha val="50000"/>
+              </a:schemeClr>
+            </a:innerShdw>
+          </a:effectLst>
+        </p:spPr>
+        <p:style>
+          <a:lnRef idx="2">
+            <a:schemeClr val="accent1">
+              <a:shade val="50000"/>
+            </a:schemeClr>
+          </a:lnRef>
+          <a:fillRef idx="1">
+            <a:schemeClr val="accent1"/>
+          </a:fillRef>
+          <a:effectRef idx="0">
+            <a:schemeClr val="accent1"/>
+          </a:effectRef>
+          <a:fontRef idx="minor">
+            <a:schemeClr val="lt1"/>
+          </a:fontRef>
+        </p:style>
+        <p:txBody>
+          <a:bodyPr rtlCol="0" anchor="ctr"/>
+          <a:lstStyle/>
+          <a:p>
+            <a:pPr algn="ctr"/>
+            <a:r>
+              <a:rPr lang="zh-CN" altLang="en-US" smtClean="0">
+                <a:solidFill>
+                  <a:schemeClr val="tx1"/>
+                </a:solidFill>
+              </a:rPr>
+              <a:t>         插件：</a:t>
+            </a:r>
+            <a:r>
+              <a:rPr lang="en-US" altLang="zh-CN" smtClean="0">
+                <a:solidFill>
+                  <a:schemeClr val="tx1"/>
+                </a:solidFill>
+              </a:rPr>
+              <a:t>Swiper.js                             </a:t>
+            </a:r>
+            <a:r>
+              <a:rPr lang="zh-CN" altLang="en-US" smtClean="0">
+                <a:solidFill>
+                  <a:schemeClr val="tx1"/>
+                </a:solidFill>
+              </a:rPr>
+              <a:t>地址：</a:t>
+            </a:r>
+            <a:r>
+              <a:rPr lang="en-US" altLang="zh-CN" smtClean="0">
+                <a:solidFill>
+                  <a:schemeClr val="tx1"/>
+                </a:solidFill>
+              </a:rPr>
+              <a:t> http://www.swiper.com.cn/ </a:t>
+            </a:r>
+            <a:endParaRPr lang="zh-CN" altLang="en-US">
+              <a:solidFill>
+                <a:schemeClr val="tx1"/>
+              </a:solidFill>
+            </a:endParaRPr>
+          </a:p>
+        </p:txBody>
+      </p:sp>
+      <p:sp>
+        <p:nvSpPr>
+          <p:cNvPr id="30" name="图文框 29"/>
+          <p:cNvSpPr/>
+          <p:nvPr/>
+        </p:nvSpPr>
+        <p:spPr>
+          <a:xfrm>
+            <a:off x="428596" y="2071678"/>
+            <a:ext cx="8429684" cy="500066"/>
+          </a:xfrm>
+          <a:prstGeom prst="frame">
+            <a:avLst/>
+          </a:prstGeom>
+          <a:solidFill>
+            <a:schemeClr val="bg2"/>
+          </a:solidFill>
+          <a:ln>
+            <a:solidFill>
+              <a:schemeClr val="accent3">
+                <a:lumMod val="20000"/>
+                <a:lumOff val="80000"/>
+                <a:alpha val="44000"/>
+              </a:schemeClr>
+            </a:solidFill>
+          </a:ln>
+          <a:effectLst>
+            <a:innerShdw dist="393700" dir="11760000">
+              <a:schemeClr val="bg2">
+                <a:alpha val="50000"/>
+              </a:schemeClr>
+            </a:innerShdw>
+          </a:effectLst>
+        </p:spPr>
+        <p:style>
+          <a:lnRef idx="2">
+            <a:schemeClr val="accent1">
+              <a:shade val="50000"/>
+            </a:schemeClr>
+          </a:lnRef>
+          <a:fillRef idx="1">
+            <a:schemeClr val="accent1"/>
+          </a:fillRef>
+          <a:effectRef idx="0">
+            <a:schemeClr val="accent1"/>
+          </a:effectRef>
+          <a:fontRef idx="minor">
+            <a:schemeClr val="lt1"/>
+          </a:fontRef>
+        </p:style>
+        <p:txBody>
+          <a:bodyPr rtlCol="0" anchor="ctr"/>
+          <a:lstStyle/>
+          <a:p>
+            <a:pPr algn="ctr"/>
+            <a:r>
+              <a:rPr lang="zh-CN" altLang="en-US" smtClean="0">
+                <a:solidFill>
+                  <a:schemeClr val="tx1"/>
+                </a:solidFill>
+              </a:rPr>
+              <a:t>插件：</a:t>
+            </a:r>
+            <a:r>
+              <a:rPr lang="en-US" altLang="zh-CN" smtClean="0">
+                <a:solidFill>
+                  <a:schemeClr val="tx1"/>
+                </a:solidFill>
+              </a:rPr>
+              <a:t>layer.js                                </a:t>
+            </a:r>
+            <a:r>
+              <a:rPr lang="zh-CN" altLang="en-US" smtClean="0">
+                <a:solidFill>
+                  <a:schemeClr val="tx1"/>
+                </a:solidFill>
+              </a:rPr>
+              <a:t>地址：</a:t>
+            </a:r>
+            <a:r>
+              <a:rPr lang="en-US" altLang="zh-CN" smtClean="0">
+                <a:solidFill>
+                  <a:schemeClr val="tx1"/>
+                </a:solidFill>
+              </a:rPr>
+              <a:t> http://layer.layui.com/</a:t>
+            </a:r>
+            <a:endParaRPr lang="zh-CN" altLang="en-US">
+              <a:solidFill>
+                <a:schemeClr val="tx1"/>
+              </a:solidFill>
+            </a:endParaRPr>
+          </a:p>
+        </p:txBody>
+      </p:sp>
+      <p:sp>
+        <p:nvSpPr>
+          <p:cNvPr id="31" name="图文框 30"/>
+          <p:cNvSpPr/>
+          <p:nvPr/>
+        </p:nvSpPr>
+        <p:spPr>
+          <a:xfrm>
+            <a:off x="428596" y="3000372"/>
+            <a:ext cx="8429684" cy="500066"/>
+          </a:xfrm>
+          <a:prstGeom prst="frame">
+            <a:avLst/>
+          </a:prstGeom>
+          <a:solidFill>
+            <a:schemeClr val="bg2"/>
+          </a:solidFill>
+          <a:ln>
+            <a:solidFill>
+              <a:schemeClr val="accent3">
+                <a:lumMod val="20000"/>
+                <a:lumOff val="80000"/>
+                <a:alpha val="44000"/>
+              </a:schemeClr>
+            </a:solidFill>
+          </a:ln>
+          <a:effectLst>
+            <a:innerShdw dist="393700" dir="11760000">
+              <a:schemeClr val="bg2">
+                <a:alpha val="50000"/>
+              </a:schemeClr>
+            </a:innerShdw>
+          </a:effectLst>
+        </p:spPr>
+        <p:style>
+          <a:lnRef idx="2">
+            <a:schemeClr val="accent1">
+              <a:shade val="50000"/>
+            </a:schemeClr>
+          </a:lnRef>
+          <a:fillRef idx="1">
+            <a:schemeClr val="accent1"/>
+          </a:fillRef>
+          <a:effectRef idx="0">
+            <a:schemeClr val="accent1"/>
+          </a:effectRef>
+          <a:fontRef idx="minor">
+            <a:schemeClr val="lt1"/>
+          </a:fontRef>
+        </p:style>
+        <p:txBody>
+          <a:bodyPr rtlCol="0" anchor="ctr"/>
+          <a:lstStyle/>
+          <a:p>
+            <a:pPr algn="ctr"/>
+            <a:r>
+              <a:rPr lang="zh-CN" altLang="en-US" smtClean="0">
+                <a:solidFill>
+                  <a:schemeClr val="tx1"/>
+                </a:solidFill>
+              </a:rPr>
+              <a:t>      工具：</a:t>
+            </a:r>
+            <a:r>
+              <a:rPr lang="en-US" altLang="zh-CN" smtClean="0">
+                <a:solidFill>
+                  <a:schemeClr val="tx1"/>
+                </a:solidFill>
+              </a:rPr>
+              <a:t>eclipse                                </a:t>
+            </a:r>
+            <a:r>
+              <a:rPr lang="zh-CN" altLang="en-US" smtClean="0">
+                <a:solidFill>
+                  <a:schemeClr val="tx1"/>
+                </a:solidFill>
+              </a:rPr>
+              <a:t>地址：</a:t>
+            </a:r>
+            <a:r>
+              <a:rPr lang="en-US" altLang="zh-CN" smtClean="0">
+                <a:solidFill>
+                  <a:schemeClr val="tx1"/>
+                </a:solidFill>
+              </a:rPr>
+              <a:t> https://www.eclipse.org/</a:t>
+            </a:r>
+            <a:endParaRPr lang="zh-CN" altLang="en-US">
+              <a:solidFill>
+                <a:schemeClr val="tx1"/>
+              </a:solidFill>
+            </a:endParaRPr>
+          </a:p>
+        </p:txBody>
+      </p:sp>
+      <p:sp>
+        <p:nvSpPr>
+          <p:cNvPr id="32" name="图文框 31"/>
+          <p:cNvSpPr/>
+          <p:nvPr/>
+        </p:nvSpPr>
+        <p:spPr>
+          <a:xfrm>
+            <a:off x="428596" y="3929066"/>
+            <a:ext cx="8429684" cy="500066"/>
+          </a:xfrm>
+          <a:prstGeom prst="frame">
+            <a:avLst/>
+          </a:prstGeom>
+          <a:solidFill>
+            <a:schemeClr val="bg2"/>
+          </a:solidFill>
+          <a:ln>
+            <a:solidFill>
+              <a:schemeClr val="accent3">
+                <a:lumMod val="20000"/>
+                <a:lumOff val="80000"/>
+                <a:alpha val="44000"/>
+              </a:schemeClr>
+            </a:solidFill>
+          </a:ln>
+          <a:effectLst>
+            <a:innerShdw dist="393700" dir="11760000">
+              <a:schemeClr val="bg2">
+                <a:alpha val="50000"/>
+              </a:schemeClr>
+            </a:innerShdw>
+          </a:effectLst>
+        </p:spPr>
+        <p:style>
+          <a:lnRef idx="2">
+            <a:schemeClr val="accent1">
+              <a:shade val="50000"/>
+            </a:schemeClr>
+          </a:lnRef>
+          <a:fillRef idx="1">
+            <a:schemeClr val="accent1"/>
+          </a:fillRef>
+          <a:effectRef idx="0">
+            <a:schemeClr val="accent1"/>
+          </a:effectRef>
+          <a:fontRef idx="minor">
+            <a:schemeClr val="lt1"/>
+          </a:fontRef>
+        </p:style>
+        <p:txBody>
+          <a:bodyPr rtlCol="0" anchor="ctr"/>
+          <a:lstStyle/>
+          <a:p>
+            <a:pPr algn="ctr"/>
+            <a:r>
+              <a:rPr lang="zh-CN" altLang="en-US" smtClean="0">
+                <a:solidFill>
+                  <a:schemeClr val="tx1"/>
+                </a:solidFill>
+              </a:rPr>
+              <a:t>工具：</a:t>
+            </a:r>
+            <a:r>
+              <a:rPr lang="en-US" altLang="zh-CN" smtClean="0">
+                <a:solidFill>
+                  <a:schemeClr val="tx1"/>
+                </a:solidFill>
+              </a:rPr>
+              <a:t>SQL Server 2008 r2           </a:t>
+            </a:r>
+            <a:r>
+              <a:rPr lang="zh-CN" altLang="en-US" smtClean="0">
+                <a:solidFill>
+                  <a:schemeClr val="tx1"/>
+                </a:solidFill>
+              </a:rPr>
+              <a:t>地址：</a:t>
+            </a:r>
+            <a:r>
+              <a:rPr lang="en-US" altLang="zh-CN" smtClean="0">
+                <a:solidFill>
+                  <a:schemeClr val="tx1"/>
+                </a:solidFill>
+              </a:rPr>
+              <a:t> http://www.jb51.net/                            </a:t>
+            </a:r>
+            <a:endParaRPr lang="zh-CN" altLang="en-US">
+              <a:solidFill>
+                <a:schemeClr val="tx1"/>
+              </a:solidFill>
+            </a:endParaRPr>
+          </a:p>
+        </p:txBody>
+      </p:sp>
+      <p:sp>
+        <p:nvSpPr>
+          <p:cNvPr id="33" name="图文框 32"/>
+          <p:cNvSpPr/>
+          <p:nvPr/>
+        </p:nvSpPr>
+        <p:spPr>
+          <a:xfrm>
+            <a:off x="428596" y="4857760"/>
+            <a:ext cx="8429684" cy="500066"/>
+          </a:xfrm>
+          <a:prstGeom prst="frame">
+            <a:avLst/>
+          </a:prstGeom>
+          <a:solidFill>
+            <a:schemeClr val="bg2"/>
+          </a:solidFill>
+          <a:ln>
+            <a:solidFill>
+              <a:schemeClr val="accent3">
+                <a:lumMod val="20000"/>
+                <a:lumOff val="80000"/>
+                <a:alpha val="44000"/>
+              </a:schemeClr>
+            </a:solidFill>
+          </a:ln>
+          <a:effectLst>
+            <a:innerShdw dist="393700" dir="11760000">
+              <a:schemeClr val="bg2">
+                <a:alpha val="50000"/>
+              </a:schemeClr>
+            </a:innerShdw>
+          </a:effectLst>
+        </p:spPr>
+        <p:style>
+          <a:lnRef idx="2">
+            <a:schemeClr val="accent1">
+              <a:shade val="50000"/>
+            </a:schemeClr>
+          </a:lnRef>
+          <a:fillRef idx="1">
+            <a:schemeClr val="accent1"/>
+          </a:fillRef>
+          <a:effectRef idx="0">
+            <a:schemeClr val="accent1"/>
+          </a:effectRef>
+          <a:fontRef idx="minor">
+            <a:schemeClr val="lt1"/>
+          </a:fontRef>
+        </p:style>
+        <p:txBody>
+          <a:bodyPr rtlCol="0" anchor="ctr"/>
+          <a:lstStyle/>
+          <a:p>
+            <a:pPr algn="ctr"/>
+            <a:r>
+              <a:rPr lang="en-US" altLang="zh-CN" smtClean="0">
+                <a:solidFill>
+                  <a:schemeClr val="bg1"/>
+                </a:solidFill>
+              </a:rPr>
+              <a:t>sss</a:t>
+            </a:r>
+            <a:r>
+              <a:rPr lang="zh-CN" altLang="en-US" smtClean="0">
+                <a:solidFill>
+                  <a:schemeClr val="tx1"/>
+                </a:solidFill>
+              </a:rPr>
+              <a:t>工具：</a:t>
+            </a:r>
+            <a:r>
+              <a:rPr lang="en-US" altLang="zh-CN" smtClean="0">
+                <a:solidFill>
+                  <a:schemeClr val="tx1"/>
+                </a:solidFill>
+              </a:rPr>
+              <a:t>play             </a:t>
+            </a:r>
+            <a:r>
+              <a:rPr lang="zh-CN" altLang="en-US" smtClean="0">
+                <a:solidFill>
+                  <a:schemeClr val="tx1"/>
+                </a:solidFill>
+              </a:rPr>
+              <a:t>地址：</a:t>
+            </a:r>
+            <a:r>
+              <a:rPr lang="en-US" altLang="zh-CN" smtClean="0">
+                <a:solidFill>
+                  <a:schemeClr val="tx1"/>
+                </a:solidFill>
+              </a:rPr>
+              <a:t> https://playframework.com/download</a:t>
+            </a:r>
+            <a:endParaRPr lang="zh-CN" altLang="en-US">
+              <a:solidFill>
+                <a:schemeClr val="tx1"/>
+              </a:solidFill>
+            </a:endParaRPr>
+          </a:p>
+        </p:txBody>
+      </p:sp>
+      <p:sp>
+        <p:nvSpPr>
+          <p:cNvPr id="34" name="图文框 33"/>
+          <p:cNvSpPr/>
+          <p:nvPr/>
+        </p:nvSpPr>
+        <p:spPr>
+          <a:xfrm>
+            <a:off x="428596" y="5786454"/>
+            <a:ext cx="8429684" cy="500066"/>
+          </a:xfrm>
+          <a:prstGeom prst="frame">
+            <a:avLst/>
+          </a:prstGeom>
+          <a:solidFill>
+            <a:schemeClr val="bg2"/>
+          </a:solidFill>
+          <a:ln>
+            <a:solidFill>
+              <a:schemeClr val="accent3">
+                <a:lumMod val="20000"/>
+                <a:lumOff val="80000"/>
+                <a:alpha val="44000"/>
+              </a:schemeClr>
+            </a:solidFill>
+          </a:ln>
+          <a:effectLst>
+            <a:innerShdw dist="393700" dir="11760000">
+              <a:schemeClr val="bg2">
+                <a:alpha val="50000"/>
+              </a:schemeClr>
+            </a:innerShdw>
+          </a:effectLst>
+        </p:spPr>
+        <p:style>
+          <a:lnRef idx="2">
+            <a:schemeClr val="accent1">
+              <a:shade val="50000"/>
+            </a:schemeClr>
+          </a:lnRef>
+          <a:fillRef idx="1">
+            <a:schemeClr val="accent1"/>
+          </a:fillRef>
+          <a:effectRef idx="0">
+            <a:schemeClr val="accent1"/>
+          </a:effectRef>
+          <a:fontRef idx="minor">
+            <a:schemeClr val="lt1"/>
+          </a:fontRef>
+        </p:style>
+        <p:txBody>
+          <a:bodyPr rtlCol="0" anchor="ctr"/>
+          <a:lstStyle/>
+          <a:p>
+            <a:pPr algn="ctr"/>
+            <a:r>
+              <a:rPr lang="zh-CN" altLang="en-US" smtClean="0">
+                <a:solidFill>
+                  <a:schemeClr val="tx1"/>
+                </a:solidFill>
+              </a:rPr>
+              <a:t>工具：</a:t>
+            </a:r>
+            <a:r>
+              <a:rPr lang="en-US" altLang="zh-CN" smtClean="0">
+                <a:solidFill>
+                  <a:schemeClr val="tx1"/>
+                </a:solidFill>
+              </a:rPr>
+              <a:t>git                       </a:t>
+            </a:r>
+            <a:r>
+              <a:rPr lang="zh-CN" altLang="en-US" smtClean="0">
+                <a:solidFill>
+                  <a:schemeClr val="tx1"/>
+                </a:solidFill>
+              </a:rPr>
+              <a:t>地址：</a:t>
+            </a:r>
+            <a:r>
+              <a:rPr lang="en-US" altLang="zh-CN" smtClean="0">
+                <a:solidFill>
+                  <a:schemeClr val="tx1"/>
+                </a:solidFill>
+              </a:rPr>
+              <a:t> https://git-scm.com/downloads</a:t>
+            </a:r>
+            <a:endParaRPr lang="zh-CN" altLang="en-US">
+              <a:solidFill>
+                <a:schemeClr val="tx1"/>
+              </a:solidFill>
+            </a:endParaRPr>
+          </a:p>
+        </p:txBody>
+      </p:sp>
+    </p:spTree>
+  </p:cSld>
+  <p:clrMapOvr>
+    <a:masterClrMapping/>
+  </p:clrMapOvr>
+  <p:transition spd="med">
+    <p:split/>
+  </p:transition>
+  <p:timing>
+    <p:tnLst>
+      <p:par>
+        <p:cTn id="1" dur="indefinite" restart="never" nodeType="tmRoot"/>
+      </p:par>
+    </p:tnLst>
+  </p:timing>
+</p:sld>
+</file>
+
+<file path=ppt/slides/slide11.xml><?xml version="1.0" encoding="utf-8"?>
+<p:sld xmlns:a="http://schemas.openxmlformats.org/drawingml/2006/main" xmlns:r="http://schemas.openxmlformats.org/officeDocument/2006/relationships" xmlns:p="http://schemas.openxmlformats.org/presentationml/2006/main">
+  <p:cSld>
+    <p:bg>
+      <p:bgPr>
+        <a:blipFill dpi="0" rotWithShape="0">
+          <a:blip r:embed="rId2"/>
+          <a:srcRect/>
+          <a:stretch>
+            <a:fillRect/>
+          </a:stretch>
+        </a:blipFill>
+        <a:effectLst/>
+      </p:bgPr>
+    </p:bg>
+    <p:spTree>
+      <p:nvGrpSpPr>
+        <p:cNvPr id="1" name=""/>
+        <p:cNvGrpSpPr/>
+        <p:nvPr/>
+      </p:nvGrpSpPr>
+      <p:grpSpPr>
+        <a:xfrm>
+          <a:off x="0" y="0"/>
+          <a:ext cx="0" cy="0"/>
+          <a:chOff x="0" y="0"/>
+          <a:chExt cx="0" cy="0"/>
+        </a:xfrm>
+      </p:grpSpPr>
+      <p:pic>
+        <p:nvPicPr>
+          <p:cNvPr id="12302" name="图片 16" descr="1.png"/>
+          <p:cNvPicPr>
+            <a:picLocks noChangeAspect="1"/>
+          </p:cNvPicPr>
+          <p:nvPr/>
+        </p:nvPicPr>
+        <p:blipFill>
+          <a:blip r:embed="rId3"/>
+          <a:srcRect/>
+          <a:stretch>
+            <a:fillRect/>
+          </a:stretch>
+        </p:blipFill>
+        <p:spPr bwMode="auto">
+          <a:xfrm>
+            <a:off x="785813" y="1643063"/>
+            <a:ext cx="7834312" cy="4330700"/>
+          </a:xfrm>
+          <a:prstGeom prst="rect">
+            <a:avLst/>
+          </a:prstGeom>
+          <a:noFill/>
+          <a:ln w="9525">
+            <a:noFill/>
+            <a:miter lim="800000"/>
+            <a:headEnd/>
+            <a:tailEnd/>
+          </a:ln>
+        </p:spPr>
+      </p:pic>
+      <p:pic>
+        <p:nvPicPr>
+          <p:cNvPr id="12290" name="图片 19" descr="3.png"/>
+          <p:cNvPicPr>
+            <a:picLocks noChangeAspect="1"/>
+          </p:cNvPicPr>
+          <p:nvPr/>
+        </p:nvPicPr>
+        <p:blipFill>
+          <a:blip r:embed="rId4"/>
+          <a:srcRect/>
+          <a:stretch>
+            <a:fillRect/>
+          </a:stretch>
+        </p:blipFill>
+        <p:spPr bwMode="auto">
+          <a:xfrm>
             <a:off x="785813" y="1643063"/>
             <a:ext cx="7834312" cy="4330700"/>
           </a:xfrm>
@@ -4918,7 +5889,7 @@
                 <a:latin typeface="微软雅黑" pitchFamily="34" charset="-122"/>
                 <a:ea typeface="微软雅黑" pitchFamily="34" charset="-122"/>
               </a:rPr>
-              <a:t>代码要精简，修改某   一处之后及时删除无用代码，避免后期代冗余</a:t>
+              <a:t>代码要精简，修改某   一处之后及时删除无用代码，避免后期代码冗余</a:t>
             </a:r>
             <a:endParaRPr lang="zh-CN" altLang="en-US">
               <a:solidFill>
@@ -5199,7 +6170,7 @@
 </p:sld>
 </file>
 
-<file path=ppt/slides/slide11.xml><?xml version="1.0" encoding="utf-8"?>
+<file path=ppt/slides/slide12.xml><?xml version="1.0" encoding="utf-8"?>
 <p:sld xmlns:a="http://schemas.openxmlformats.org/drawingml/2006/main" xmlns:r="http://schemas.openxmlformats.org/officeDocument/2006/relationships" xmlns:p="http://schemas.openxmlformats.org/presentationml/2006/main">
   <p:cSld>
     <p:bg>
@@ -6262,6 +7233,38 @@
           <a:chExt cx="0" cy="0"/>
         </a:xfrm>
       </p:grpSpPr>
+      <p:pic>
+        <p:nvPicPr>
+          <p:cNvPr id="28" name="图片 19" descr="1.png"/>
+          <p:cNvPicPr>
+            <a:picLocks noChangeAspect="1"/>
+          </p:cNvPicPr>
+          <p:nvPr/>
+        </p:nvPicPr>
+        <p:blipFill>
+          <a:blip r:embed="rId3"/>
+          <a:srcRect/>
+          <a:stretch>
+            <a:fillRect/>
+          </a:stretch>
+        </p:blipFill>
+        <p:spPr bwMode="auto">
+          <a:xfrm>
+            <a:off x="0" y="0"/>
+            <a:ext cx="9144000" cy="6858000"/>
+          </a:xfrm>
+          <a:prstGeom prst="rect">
+            <a:avLst/>
+          </a:prstGeom>
+          <a:noFill/>
+          <a:ln w="9525">
+            <a:noFill/>
+            <a:miter lim="800000"/>
+            <a:headEnd/>
+            <a:tailEnd/>
+          </a:ln>
+        </p:spPr>
+      </p:pic>
       <p:sp>
         <p:nvSpPr>
           <p:cNvPr id="4099" name="矩形 4"/>
@@ -6437,7 +7440,7 @@
           <p:nvPr/>
         </p:nvPicPr>
         <p:blipFill>
-          <a:blip r:embed="rId3"/>
+          <a:blip r:embed="rId4"/>
           <a:stretch>
             <a:fillRect/>
           </a:stretch>
@@ -6470,7 +7473,7 @@
           <p:nvPr/>
         </p:nvPicPr>
         <p:blipFill>
-          <a:blip r:embed="rId3"/>
+          <a:blip r:embed="rId4"/>
           <a:stretch>
             <a:fillRect/>
           </a:stretch>
@@ -6503,7 +7506,7 @@
           <p:nvPr/>
         </p:nvPicPr>
         <p:blipFill>
-          <a:blip r:embed="rId3"/>
+          <a:blip r:embed="rId4"/>
           <a:stretch>
             <a:fillRect/>
           </a:stretch>
@@ -6536,7 +7539,7 @@
           <p:nvPr/>
         </p:nvPicPr>
         <p:blipFill>
-          <a:blip r:embed="rId3"/>
+          <a:blip r:embed="rId4"/>
           <a:stretch>
             <a:fillRect/>
           </a:stretch>
@@ -6569,7 +7572,7 @@
           <p:nvPr/>
         </p:nvPicPr>
         <p:blipFill>
-          <a:blip r:embed="rId3"/>
+          <a:blip r:embed="rId4"/>
           <a:stretch>
             <a:fillRect/>
           </a:stretch>
@@ -6602,7 +7605,7 @@
           <p:nvPr/>
         </p:nvPicPr>
         <p:blipFill>
-          <a:blip r:embed="rId3"/>
+          <a:blip r:embed="rId4"/>
           <a:stretch>
             <a:fillRect/>
           </a:stretch>
@@ -6635,7 +7638,7 @@
           <p:nvPr/>
         </p:nvPicPr>
         <p:blipFill>
-          <a:blip r:embed="rId3"/>
+          <a:blip r:embed="rId4"/>
           <a:stretch>
             <a:fillRect/>
           </a:stretch>
@@ -6668,7 +7671,7 @@
           <p:nvPr/>
         </p:nvPicPr>
         <p:blipFill>
-          <a:blip r:embed="rId3"/>
+          <a:blip r:embed="rId4"/>
           <a:stretch>
             <a:fillRect/>
           </a:stretch>
@@ -6879,7 +7882,7 @@
         <p:spPr bwMode="auto">
           <a:xfrm>
             <a:off x="6215070" y="4000493"/>
-            <a:ext cx="646331" cy="369332"/>
+            <a:ext cx="1338828" cy="369332"/>
           </a:xfrm>
           <a:prstGeom prst="rect">
             <a:avLst/>
@@ -6903,7 +7906,7 @@
                 <a:latin typeface="微软雅黑" pitchFamily="34" charset="-122"/>
                 <a:ea typeface="微软雅黑" pitchFamily="34" charset="-122"/>
               </a:rPr>
-              <a:t>总结</a:t>
+              <a:t>插件及工具</a:t>
             </a:r>
             <a:endParaRPr lang="zh-CN" altLang="en-US">
               <a:latin typeface="微软雅黑" pitchFamily="34" charset="-122"/>
@@ -6923,7 +7926,7 @@
         <p:spPr bwMode="auto">
           <a:xfrm>
             <a:off x="6215070" y="4714868"/>
-            <a:ext cx="646331" cy="369332"/>
+            <a:ext cx="1338828" cy="369332"/>
           </a:xfrm>
           <a:prstGeom prst="rect">
             <a:avLst/>
@@ -6947,7 +7950,7 @@
                 <a:latin typeface="微软雅黑" pitchFamily="34" charset="-122"/>
                 <a:ea typeface="微软雅黑" pitchFamily="34" charset="-122"/>
               </a:rPr>
-              <a:t>致谢</a:t>
+              <a:t>总结并致谢</a:t>
             </a:r>
             <a:endParaRPr lang="zh-CN" altLang="en-US">
               <a:latin typeface="微软雅黑" pitchFamily="34" charset="-122"/>
@@ -7356,38 +8359,6 @@
           </a:p>
         </p:txBody>
       </p:sp>
-      <p:pic>
-        <p:nvPicPr>
-          <p:cNvPr id="28" name="图片 19" descr="1.png"/>
-          <p:cNvPicPr>
-            <a:picLocks noChangeAspect="1"/>
-          </p:cNvPicPr>
-          <p:nvPr/>
-        </p:nvPicPr>
-        <p:blipFill>
-          <a:blip r:embed="rId4"/>
-          <a:srcRect/>
-          <a:stretch>
-            <a:fillRect/>
-          </a:stretch>
-        </p:blipFill>
-        <p:spPr bwMode="auto">
-          <a:xfrm>
-            <a:off x="0" y="0"/>
-            <a:ext cx="9144000" cy="6858000"/>
-          </a:xfrm>
-          <a:prstGeom prst="rect">
-            <a:avLst/>
-          </a:prstGeom>
-          <a:noFill/>
-          <a:ln w="9525">
-            <a:noFill/>
-            <a:miter lim="800000"/>
-            <a:headEnd/>
-            <a:tailEnd/>
-          </a:ln>
-        </p:spPr>
-      </p:pic>
     </p:spTree>
   </p:cSld>
   <p:clrMapOvr>
@@ -8569,7 +9540,7 @@
         <p:spPr bwMode="auto">
           <a:xfrm>
             <a:off x="5000628" y="4429132"/>
-            <a:ext cx="2479846" cy="369332"/>
+            <a:ext cx="2505494" cy="369332"/>
           </a:xfrm>
           <a:prstGeom prst="rect">
             <a:avLst/>
@@ -8614,7 +9585,14 @@
                 <a:latin typeface="微软雅黑" pitchFamily="34" charset="-122"/>
                 <a:ea typeface="微软雅黑" pitchFamily="34" charset="-122"/>
               </a:rPr>
-              <a:t>Photoshop CS6</a:t>
+              <a:t>PhotoShop </a:t>
+            </a:r>
+            <a:r>
+              <a:rPr lang="en-US" altLang="zh-CN" smtClean="0">
+                <a:latin typeface="微软雅黑" pitchFamily="34" charset="-122"/>
+                <a:ea typeface="微软雅黑" pitchFamily="34" charset="-122"/>
+              </a:rPr>
+              <a:t>CS6</a:t>
             </a:r>
             <a:endParaRPr lang="zh-CN" altLang="en-US">
               <a:latin typeface="微软雅黑" pitchFamily="34" charset="-122"/>
@@ -9123,7 +10101,7 @@
         <p:spPr bwMode="auto">
           <a:xfrm>
             <a:off x="5000630" y="5715016"/>
-            <a:ext cx="2501519" cy="369332"/>
+            <a:ext cx="2599301" cy="369332"/>
           </a:xfrm>
           <a:prstGeom prst="rect">
             <a:avLst/>
@@ -9164,18 +10142,18 @@
               <a:t>）</a:t>
             </a:r>
             <a:r>
-              <a:rPr lang="en-US" altLang="zh-CN" err="1" smtClean="0">
-                <a:latin typeface="微软雅黑" pitchFamily="34" charset="-122"/>
-                <a:ea typeface="微软雅黑" pitchFamily="34" charset="-122"/>
-              </a:rPr>
-              <a:t>Sql</a:t>
-            </a:r>
-            <a:r>
               <a:rPr lang="en-US" altLang="zh-CN" smtClean="0">
                 <a:latin typeface="微软雅黑" pitchFamily="34" charset="-122"/>
                 <a:ea typeface="微软雅黑" pitchFamily="34" charset="-122"/>
               </a:rPr>
-              <a:t> Server 2008</a:t>
+              <a:t>SQL </a:t>
+            </a:r>
+            <a:r>
+              <a:rPr lang="en-US" altLang="zh-CN" smtClean="0">
+                <a:latin typeface="微软雅黑" pitchFamily="34" charset="-122"/>
+                <a:ea typeface="微软雅黑" pitchFamily="34" charset="-122"/>
+              </a:rPr>
+              <a:t>Server 2008</a:t>
             </a:r>
             <a:endParaRPr lang="zh-CN" altLang="en-US">
               <a:latin typeface="微软雅黑" pitchFamily="34" charset="-122"/>
@@ -10208,7 +11186,17 @@
                 <a:latin typeface="微软雅黑" pitchFamily="34" charset="-122"/>
                 <a:ea typeface="微软雅黑" pitchFamily="34" charset="-122"/>
               </a:rPr>
-              <a:t>5.</a:t>
+              <a:t>5</a:t>
+            </a:r>
+            <a:r>
+              <a:rPr lang="en-US" altLang="zh-CN" smtClean="0">
+                <a:solidFill>
+                  <a:schemeClr val="bg1"/>
+                </a:solidFill>
+                <a:latin typeface="微软雅黑" pitchFamily="34" charset="-122"/>
+                <a:ea typeface="微软雅黑" pitchFamily="34" charset="-122"/>
+              </a:rPr>
+              <a:t>.</a:t>
             </a:r>
             <a:r>
               <a:rPr lang="zh-CN" altLang="en-US" smtClean="0">
@@ -10218,7 +11206,7 @@
                 <a:latin typeface="微软雅黑" pitchFamily="34" charset="-122"/>
                 <a:ea typeface="微软雅黑" pitchFamily="34" charset="-122"/>
               </a:rPr>
-              <a:t>测试发布</a:t>
+              <a:t>项目测试</a:t>
             </a:r>
             <a:endParaRPr lang="zh-CN" altLang="en-US">
               <a:solidFill>
@@ -10778,11 +11766,7 @@
             <a:pPr algn="ctr"/>
             <a:r>
               <a:rPr lang="zh-CN" altLang="en-US" smtClean="0"/>
-              <a:t>系统功能</a:t>
-            </a:r>
-            <a:r>
-              <a:rPr lang="zh-CN" altLang="en-US" smtClean="0"/>
-              <a:t>实现</a:t>
+              <a:t>系统功能实现</a:t>
             </a:r>
             <a:endParaRPr lang="zh-CN" altLang="en-US"/>
           </a:p>
@@ -10836,11 +11820,7 @@
             <a:pPr algn="ctr"/>
             <a:r>
               <a:rPr lang="zh-CN" altLang="en-US" smtClean="0"/>
-              <a:t>用户</a:t>
-            </a:r>
-            <a:r>
-              <a:rPr lang="zh-CN" altLang="en-US" smtClean="0"/>
-              <a:t>管理</a:t>
+              <a:t>用户管理</a:t>
             </a:r>
             <a:endParaRPr lang="zh-CN" altLang="en-US"/>
           </a:p>
@@ -10948,11 +11928,7 @@
             <a:pPr algn="ctr"/>
             <a:r>
               <a:rPr lang="zh-CN" altLang="en-US" smtClean="0"/>
-              <a:t>购物</a:t>
-            </a:r>
-            <a:r>
-              <a:rPr lang="zh-CN" altLang="en-US" smtClean="0"/>
-              <a:t>车</a:t>
+              <a:t>购物车</a:t>
             </a:r>
             <a:endParaRPr lang="zh-CN" altLang="en-US"/>
           </a:p>
@@ -11006,15 +11982,7 @@
             <a:pPr algn="ctr"/>
             <a:r>
               <a:rPr lang="zh-CN" altLang="en-US" smtClean="0"/>
-              <a:t>待</a:t>
-            </a:r>
-            <a:r>
-              <a:rPr lang="zh-CN" altLang="en-US" smtClean="0"/>
-              <a:t>完善</a:t>
-            </a:r>
-            <a:r>
-              <a:rPr lang="zh-CN" altLang="en-US" smtClean="0"/>
-              <a:t>部分</a:t>
+              <a:t>待完善部分</a:t>
             </a:r>
             <a:endParaRPr lang="zh-CN" altLang="en-US"/>
           </a:p>
@@ -12451,7 +13419,7 @@
         <p:spPr bwMode="auto">
           <a:xfrm>
             <a:off x="3786184" y="2714620"/>
-            <a:ext cx="1800493" cy="923330"/>
+            <a:ext cx="2031325" cy="923330"/>
           </a:xfrm>
           <a:prstGeom prst="rect">
             <a:avLst/>
@@ -12516,7 +13484,7 @@
                 <a:latin typeface="微软雅黑" pitchFamily="34" charset="-122"/>
                 <a:ea typeface="微软雅黑" pitchFamily="34" charset="-122"/>
               </a:rPr>
-              <a:t>息处代码</a:t>
+              <a:t>息处代码（正则）</a:t>
             </a:r>
             <a:endParaRPr lang="zh-CN" altLang="en-US">
               <a:solidFill>
@@ -12683,7 +13651,7 @@
                 <a:latin typeface="微软雅黑" pitchFamily="34" charset="-122"/>
                 <a:ea typeface="微软雅黑" pitchFamily="34" charset="-122"/>
               </a:rPr>
-              <a:t>首页加载处代码</a:t>
+              <a:t>首页加载处代码（异步）</a:t>
             </a:r>
           </a:p>
           <a:p>
@@ -12716,8 +13684,8 @@
         </p:nvSpPr>
         <p:spPr bwMode="auto">
           <a:xfrm>
-            <a:off x="6500813" y="2786059"/>
-            <a:ext cx="1529586" cy="923330"/>
+            <a:off x="6500813" y="2500306"/>
+            <a:ext cx="1529586" cy="1477328"/>
           </a:xfrm>
           <a:prstGeom prst="rect">
             <a:avLst/>
@@ -12744,18 +13712,10 @@
                 <a:latin typeface="微软雅黑" pitchFamily="34" charset="-122"/>
                 <a:ea typeface="微软雅黑" pitchFamily="34" charset="-122"/>
               </a:rPr>
-              <a:t>1.</a:t>
-            </a:r>
-            <a:r>
-              <a:rPr lang="zh-CN" altLang="en-US" smtClean="0">
-                <a:solidFill>
-                  <a:schemeClr val="bg1"/>
-                </a:solidFill>
-                <a:latin typeface="微软雅黑" pitchFamily="34" charset="-122"/>
-                <a:ea typeface="微软雅黑" pitchFamily="34" charset="-122"/>
-              </a:rPr>
-              <a:t>数据库配置</a:t>
-            </a:r>
+              <a:t>1.swiper.js</a:t>
+            </a:r>
+          </a:p>
+          <a:p>
             <a:endParaRPr lang="en-US" altLang="zh-CN" smtClean="0">
               <a:solidFill>
                 <a:schemeClr val="bg1"/>
@@ -12765,6 +13725,18 @@
             </a:endParaRPr>
           </a:p>
           <a:p>
+            <a:r>
+              <a:rPr lang="en-US" altLang="zh-CN" smtClean="0">
+                <a:solidFill>
+                  <a:schemeClr val="bg1"/>
+                </a:solidFill>
+                <a:latin typeface="微软雅黑" pitchFamily="34" charset="-122"/>
+                <a:ea typeface="微软雅黑" pitchFamily="34" charset="-122"/>
+              </a:rPr>
+              <a:t>2.layer.js</a:t>
+            </a:r>
+          </a:p>
+          <a:p>
             <a:endParaRPr lang="en-US" altLang="zh-CN" smtClean="0">
               <a:solidFill>
                 <a:schemeClr val="bg1"/>
@@ -12782,17 +13754,7 @@
                 <a:latin typeface="微软雅黑" pitchFamily="34" charset="-122"/>
                 <a:ea typeface="微软雅黑" pitchFamily="34" charset="-122"/>
               </a:rPr>
-              <a:t>2.</a:t>
-            </a:r>
-            <a:r>
-              <a:rPr lang="zh-CN" altLang="en-US" smtClean="0">
-                <a:solidFill>
-                  <a:schemeClr val="bg1"/>
-                </a:solidFill>
-                <a:latin typeface="微软雅黑" pitchFamily="34" charset="-122"/>
-                <a:ea typeface="微软雅黑" pitchFamily="34" charset="-122"/>
-              </a:rPr>
-              <a:t>路由配置</a:t>
+              <a:t>3.cookie.js</a:t>
             </a:r>
             <a:endParaRPr lang="zh-CN" altLang="en-US">
               <a:solidFill>
